--- a/Documentation/Tables_diagrams.pptx
+++ b/Documentation/Tables_diagrams.pptx
@@ -104,6 +104,11 @@
       </a:defRPr>
     </a:lvl9pPr>
   </p:defaultTextStyle>
+  <p:extLst>
+    <p:ext uri="{EFAFB233-063F-42B5-8137-9DF3F51BA10A}">
+      <p15:sldGuideLst xmlns:p15="http://schemas.microsoft.com/office/powerpoint/2012/main"/>
+    </p:ext>
+  </p:extLst>
 </p:presentation>
 </file>
 
@@ -254,7 +259,7 @@
           <a:p>
             <a:fld id="{0DF74D82-39E9-4692-A98D-ED0222E8DCFB}" type="datetimeFigureOut">
               <a:rPr lang="en-US" smtClean="0"/>
-              <a:t>4/8/2019</a:t>
+              <a:t>5/9/2019</a:t>
             </a:fld>
             <a:endParaRPr lang="en-US"/>
           </a:p>
@@ -452,7 +457,7 @@
           <a:p>
             <a:fld id="{0DF74D82-39E9-4692-A98D-ED0222E8DCFB}" type="datetimeFigureOut">
               <a:rPr lang="en-US" smtClean="0"/>
-              <a:t>4/8/2019</a:t>
+              <a:t>5/9/2019</a:t>
             </a:fld>
             <a:endParaRPr lang="en-US"/>
           </a:p>
@@ -660,7 +665,7 @@
           <a:p>
             <a:fld id="{0DF74D82-39E9-4692-A98D-ED0222E8DCFB}" type="datetimeFigureOut">
               <a:rPr lang="en-US" smtClean="0"/>
-              <a:t>4/8/2019</a:t>
+              <a:t>5/9/2019</a:t>
             </a:fld>
             <a:endParaRPr lang="en-US"/>
           </a:p>
@@ -858,7 +863,7 @@
           <a:p>
             <a:fld id="{0DF74D82-39E9-4692-A98D-ED0222E8DCFB}" type="datetimeFigureOut">
               <a:rPr lang="en-US" smtClean="0"/>
-              <a:t>4/8/2019</a:t>
+              <a:t>5/9/2019</a:t>
             </a:fld>
             <a:endParaRPr lang="en-US"/>
           </a:p>
@@ -1133,7 +1138,7 @@
           <a:p>
             <a:fld id="{0DF74D82-39E9-4692-A98D-ED0222E8DCFB}" type="datetimeFigureOut">
               <a:rPr lang="en-US" smtClean="0"/>
-              <a:t>4/8/2019</a:t>
+              <a:t>5/9/2019</a:t>
             </a:fld>
             <a:endParaRPr lang="en-US"/>
           </a:p>
@@ -1398,7 +1403,7 @@
           <a:p>
             <a:fld id="{0DF74D82-39E9-4692-A98D-ED0222E8DCFB}" type="datetimeFigureOut">
               <a:rPr lang="en-US" smtClean="0"/>
-              <a:t>4/8/2019</a:t>
+              <a:t>5/9/2019</a:t>
             </a:fld>
             <a:endParaRPr lang="en-US"/>
           </a:p>
@@ -1810,7 +1815,7 @@
           <a:p>
             <a:fld id="{0DF74D82-39E9-4692-A98D-ED0222E8DCFB}" type="datetimeFigureOut">
               <a:rPr lang="en-US" smtClean="0"/>
-              <a:t>4/8/2019</a:t>
+              <a:t>5/9/2019</a:t>
             </a:fld>
             <a:endParaRPr lang="en-US"/>
           </a:p>
@@ -1951,7 +1956,7 @@
           <a:p>
             <a:fld id="{0DF74D82-39E9-4692-A98D-ED0222E8DCFB}" type="datetimeFigureOut">
               <a:rPr lang="en-US" smtClean="0"/>
-              <a:t>4/8/2019</a:t>
+              <a:t>5/9/2019</a:t>
             </a:fld>
             <a:endParaRPr lang="en-US"/>
           </a:p>
@@ -2064,7 +2069,7 @@
           <a:p>
             <a:fld id="{0DF74D82-39E9-4692-A98D-ED0222E8DCFB}" type="datetimeFigureOut">
               <a:rPr lang="en-US" smtClean="0"/>
-              <a:t>4/8/2019</a:t>
+              <a:t>5/9/2019</a:t>
             </a:fld>
             <a:endParaRPr lang="en-US"/>
           </a:p>
@@ -2375,7 +2380,7 @@
           <a:p>
             <a:fld id="{0DF74D82-39E9-4692-A98D-ED0222E8DCFB}" type="datetimeFigureOut">
               <a:rPr lang="en-US" smtClean="0"/>
-              <a:t>4/8/2019</a:t>
+              <a:t>5/9/2019</a:t>
             </a:fld>
             <a:endParaRPr lang="en-US"/>
           </a:p>
@@ -2663,7 +2668,7 @@
           <a:p>
             <a:fld id="{0DF74D82-39E9-4692-A98D-ED0222E8DCFB}" type="datetimeFigureOut">
               <a:rPr lang="en-US" smtClean="0"/>
-              <a:t>4/8/2019</a:t>
+              <a:t>5/9/2019</a:t>
             </a:fld>
             <a:endParaRPr lang="en-US"/>
           </a:p>
@@ -2904,7 +2909,7 @@
           <a:p>
             <a:fld id="{0DF74D82-39E9-4692-A98D-ED0222E8DCFB}" type="datetimeFigureOut">
               <a:rPr lang="en-US" smtClean="0"/>
-              <a:t>4/8/2019</a:t>
+              <a:t>5/9/2019</a:t>
             </a:fld>
             <a:endParaRPr lang="en-US"/>
           </a:p>
@@ -3336,14 +3341,14 @@
           <p:nvPr>
             <p:extLst>
               <p:ext uri="{D42A27DB-BD31-4B8C-83A1-F6EECF244321}">
-                <p14:modId xmlns:p14="http://schemas.microsoft.com/office/powerpoint/2010/main" val="223607103"/>
+                <p14:modId xmlns:p14="http://schemas.microsoft.com/office/powerpoint/2010/main" val="3704882217"/>
               </p:ext>
             </p:extLst>
           </p:nvPr>
         </p:nvGraphicFramePr>
         <p:xfrm>
-          <a:off x="516706" y="2774889"/>
-          <a:ext cx="4603934" cy="987213"/>
+          <a:off x="562521" y="2851088"/>
+          <a:ext cx="4627789" cy="987213"/>
         </p:xfrm>
         <a:graphic>
           <a:graphicData uri="http://schemas.openxmlformats.org/drawingml/2006/table">
@@ -3352,42 +3357,42 @@
                 <a:tableStyleId>{B301B821-A1FF-4177-AEE7-76D212191A09}</a:tableStyleId>
               </a:tblPr>
               <a:tblGrid>
-                <a:gridCol w="301900">
+                <a:gridCol w="987605">
                   <a:extLst>
                     <a:ext uri="{9D8B030D-6E8A-4147-A177-3AD203B41FA5}">
                       <a16:colId xmlns:a16="http://schemas.microsoft.com/office/drawing/2014/main" val="1311773552"/>
                     </a:ext>
                   </a:extLst>
                 </a:gridCol>
-                <a:gridCol w="670560">
+                <a:gridCol w="574765">
                   <a:extLst>
                     <a:ext uri="{9D8B030D-6E8A-4147-A177-3AD203B41FA5}">
                       <a16:colId xmlns:a16="http://schemas.microsoft.com/office/drawing/2014/main" val="2847361752"/>
                     </a:ext>
                   </a:extLst>
                 </a:gridCol>
-                <a:gridCol w="949234">
+                <a:gridCol w="844732">
                   <a:extLst>
                     <a:ext uri="{9D8B030D-6E8A-4147-A177-3AD203B41FA5}">
                       <a16:colId xmlns:a16="http://schemas.microsoft.com/office/drawing/2014/main" val="3319583492"/>
                     </a:ext>
                   </a:extLst>
                 </a:gridCol>
-                <a:gridCol w="792480">
+                <a:gridCol w="583474">
                   <a:extLst>
                     <a:ext uri="{9D8B030D-6E8A-4147-A177-3AD203B41FA5}">
                       <a16:colId xmlns:a16="http://schemas.microsoft.com/office/drawing/2014/main" val="1806326025"/>
                     </a:ext>
                   </a:extLst>
                 </a:gridCol>
-                <a:gridCol w="862149">
+                <a:gridCol w="679269">
                   <a:extLst>
                     <a:ext uri="{9D8B030D-6E8A-4147-A177-3AD203B41FA5}">
                       <a16:colId xmlns:a16="http://schemas.microsoft.com/office/drawing/2014/main" val="2368393226"/>
                     </a:ext>
                   </a:extLst>
                 </a:gridCol>
-                <a:gridCol w="592183">
+                <a:gridCol w="522516">
                   <a:extLst>
                     <a:ext uri="{9D8B030D-6E8A-4147-A177-3AD203B41FA5}">
                       <a16:colId xmlns:a16="http://schemas.microsoft.com/office/drawing/2014/main" val="1997072120"/>
@@ -3409,9 +3414,10 @@
                     <a:lstStyle/>
                     <a:p>
                       <a:r>
-                        <a:rPr lang="en-US" sz="1100" dirty="0"/>
-                        <a:t>Id</a:t>
+                        <a:rPr lang="en-US" sz="1100" dirty="0" err="1"/>
+                        <a:t>key_internal</a:t>
                       </a:r>
+                      <a:endParaRPr lang="en-US" sz="1100" dirty="0"/>
                     </a:p>
                   </a:txBody>
                   <a:tcPr>
@@ -3460,12 +3466,6 @@
                     <a:p>
                       <a:r>
                         <a:rPr lang="en-US" sz="1100" dirty="0"/>
-                        <a:t>Child_</a:t>
-                      </a:r>
-                    </a:p>
-                    <a:p>
-                      <a:r>
-                        <a:rPr lang="en-US" sz="1100" dirty="0"/>
                         <a:t>id</a:t>
                       </a:r>
                     </a:p>
@@ -3516,167 +3516,8 @@
                     <a:p>
                       <a:r>
                         <a:rPr lang="en-US" sz="1100" dirty="0"/>
-                        <a:t>Date_</a:t>
+                        <a:t>date</a:t>
                       </a:r>
-                    </a:p>
-                    <a:p>
-                      <a:r>
-                        <a:rPr lang="en-US" sz="1100" dirty="0"/>
-                        <a:t>collected</a:t>
-                      </a:r>
-                    </a:p>
-                  </a:txBody>
-                  <a:tcPr>
-                    <a:lnL w="12700" cap="flat" cmpd="sng" algn="ctr">
-                      <a:solidFill>
-                        <a:schemeClr val="tx1"/>
-                      </a:solidFill>
-                      <a:prstDash val="solid"/>
-                      <a:round/>
-                      <a:headEnd type="none" w="med" len="med"/>
-                      <a:tailEnd type="none" w="med" len="med"/>
-                    </a:lnL>
-                    <a:lnR w="12700" cap="flat" cmpd="sng" algn="ctr">
-                      <a:solidFill>
-                        <a:schemeClr val="tx1"/>
-                      </a:solidFill>
-                      <a:prstDash val="solid"/>
-                      <a:round/>
-                      <a:headEnd type="none" w="med" len="med"/>
-                      <a:tailEnd type="none" w="med" len="med"/>
-                    </a:lnR>
-                    <a:lnT w="12700" cap="flat" cmpd="sng" algn="ctr">
-                      <a:solidFill>
-                        <a:schemeClr val="tx1"/>
-                      </a:solidFill>
-                      <a:prstDash val="solid"/>
-                      <a:round/>
-                      <a:headEnd type="none" w="med" len="med"/>
-                      <a:tailEnd type="none" w="med" len="med"/>
-                    </a:lnT>
-                    <a:lnB w="12700" cap="flat" cmpd="sng" algn="ctr">
-                      <a:solidFill>
-                        <a:schemeClr val="tx1"/>
-                      </a:solidFill>
-                      <a:prstDash val="solid"/>
-                      <a:round/>
-                      <a:headEnd type="none" w="med" len="med"/>
-                      <a:tailEnd type="none" w="med" len="med"/>
-                    </a:lnB>
-                  </a:tcPr>
-                </a:tc>
-                <a:tc>
-                  <a:txBody>
-                    <a:bodyPr/>
-                    <a:lstStyle/>
-                    <a:p>
-                      <a:r>
-                        <a:rPr lang="en-US" sz="1100"/>
-                        <a:t>Type</a:t>
-                      </a:r>
-                      <a:endParaRPr lang="en-US" sz="1100" dirty="0"/>
-                    </a:p>
-                  </a:txBody>
-                  <a:tcPr>
-                    <a:lnL w="12700" cap="flat" cmpd="sng" algn="ctr">
-                      <a:solidFill>
-                        <a:schemeClr val="tx1"/>
-                      </a:solidFill>
-                      <a:prstDash val="solid"/>
-                      <a:round/>
-                      <a:headEnd type="none" w="med" len="med"/>
-                      <a:tailEnd type="none" w="med" len="med"/>
-                    </a:lnL>
-                    <a:lnR w="12700" cap="flat" cmpd="sng" algn="ctr">
-                      <a:solidFill>
-                        <a:schemeClr val="tx1"/>
-                      </a:solidFill>
-                      <a:prstDash val="solid"/>
-                      <a:round/>
-                      <a:headEnd type="none" w="med" len="med"/>
-                      <a:tailEnd type="none" w="med" len="med"/>
-                    </a:lnR>
-                    <a:lnT w="12700" cap="flat" cmpd="sng" algn="ctr">
-                      <a:solidFill>
-                        <a:schemeClr val="tx1"/>
-                      </a:solidFill>
-                      <a:prstDash val="solid"/>
-                      <a:round/>
-                      <a:headEnd type="none" w="med" len="med"/>
-                      <a:tailEnd type="none" w="med" len="med"/>
-                    </a:lnT>
-                    <a:lnB w="12700" cap="flat" cmpd="sng" algn="ctr">
-                      <a:solidFill>
-                        <a:schemeClr val="tx1"/>
-                      </a:solidFill>
-                      <a:prstDash val="solid"/>
-                      <a:round/>
-                      <a:headEnd type="none" w="med" len="med"/>
-                      <a:tailEnd type="none" w="med" len="med"/>
-                    </a:lnB>
-                  </a:tcPr>
-                </a:tc>
-                <a:tc>
-                  <a:txBody>
-                    <a:bodyPr/>
-                    <a:lstStyle/>
-                    <a:p>
-                      <a:r>
-                        <a:rPr lang="en-US" sz="1100"/>
-                        <a:t>Density</a:t>
-                      </a:r>
-                      <a:endParaRPr lang="en-US" sz="1100" dirty="0"/>
-                    </a:p>
-                  </a:txBody>
-                  <a:tcPr>
-                    <a:lnL w="12700" cap="flat" cmpd="sng" algn="ctr">
-                      <a:solidFill>
-                        <a:schemeClr val="tx1"/>
-                      </a:solidFill>
-                      <a:prstDash val="solid"/>
-                      <a:round/>
-                      <a:headEnd type="none" w="med" len="med"/>
-                      <a:tailEnd type="none" w="med" len="med"/>
-                    </a:lnL>
-                    <a:lnR w="12700" cap="flat" cmpd="sng" algn="ctr">
-                      <a:solidFill>
-                        <a:schemeClr val="tx1"/>
-                      </a:solidFill>
-                      <a:prstDash val="solid"/>
-                      <a:round/>
-                      <a:headEnd type="none" w="med" len="med"/>
-                      <a:tailEnd type="none" w="med" len="med"/>
-                    </a:lnR>
-                    <a:lnT w="12700" cap="flat" cmpd="sng" algn="ctr">
-                      <a:solidFill>
-                        <a:schemeClr val="tx1"/>
-                      </a:solidFill>
-                      <a:prstDash val="solid"/>
-                      <a:round/>
-                      <a:headEnd type="none" w="med" len="med"/>
-                      <a:tailEnd type="none" w="med" len="med"/>
-                    </a:lnT>
-                    <a:lnB w="12700" cap="flat" cmpd="sng" algn="ctr">
-                      <a:solidFill>
-                        <a:schemeClr val="tx1"/>
-                      </a:solidFill>
-                      <a:prstDash val="solid"/>
-                      <a:round/>
-                      <a:headEnd type="none" w="med" len="med"/>
-                      <a:tailEnd type="none" w="med" len="med"/>
-                    </a:lnB>
-                  </a:tcPr>
-                </a:tc>
-                <a:tc>
-                  <a:txBody>
-                    <a:bodyPr/>
-                    <a:lstStyle/>
-                    <a:p>
-                      <a:r>
-                        <a:rPr lang="en-US" sz="1100"/>
-                        <a:t>Hb</a:t>
-                      </a:r>
-                      <a:endParaRPr lang="en-US" sz="1100" dirty="0"/>
                     </a:p>
                   </a:txBody>
                   <a:tcPr>
@@ -3725,7 +3566,157 @@
                     <a:p>
                       <a:r>
                         <a:rPr lang="en-US" sz="1100" dirty="0"/>
-                        <a:t>Pb</a:t>
+                        <a:t>type</a:t>
+                      </a:r>
+                    </a:p>
+                  </a:txBody>
+                  <a:tcPr>
+                    <a:lnL w="12700" cap="flat" cmpd="sng" algn="ctr">
+                      <a:solidFill>
+                        <a:schemeClr val="tx1"/>
+                      </a:solidFill>
+                      <a:prstDash val="solid"/>
+                      <a:round/>
+                      <a:headEnd type="none" w="med" len="med"/>
+                      <a:tailEnd type="none" w="med" len="med"/>
+                    </a:lnL>
+                    <a:lnR w="12700" cap="flat" cmpd="sng" algn="ctr">
+                      <a:solidFill>
+                        <a:schemeClr val="tx1"/>
+                      </a:solidFill>
+                      <a:prstDash val="solid"/>
+                      <a:round/>
+                      <a:headEnd type="none" w="med" len="med"/>
+                      <a:tailEnd type="none" w="med" len="med"/>
+                    </a:lnR>
+                    <a:lnT w="12700" cap="flat" cmpd="sng" algn="ctr">
+                      <a:solidFill>
+                        <a:schemeClr val="tx1"/>
+                      </a:solidFill>
+                      <a:prstDash val="solid"/>
+                      <a:round/>
+                      <a:headEnd type="none" w="med" len="med"/>
+                      <a:tailEnd type="none" w="med" len="med"/>
+                    </a:lnT>
+                    <a:lnB w="12700" cap="flat" cmpd="sng" algn="ctr">
+                      <a:solidFill>
+                        <a:schemeClr val="tx1"/>
+                      </a:solidFill>
+                      <a:prstDash val="solid"/>
+                      <a:round/>
+                      <a:headEnd type="none" w="med" len="med"/>
+                      <a:tailEnd type="none" w="med" len="med"/>
+                    </a:lnB>
+                  </a:tcPr>
+                </a:tc>
+                <a:tc>
+                  <a:txBody>
+                    <a:bodyPr/>
+                    <a:lstStyle/>
+                    <a:p>
+                      <a:r>
+                        <a:rPr lang="en-US" sz="1100" dirty="0"/>
+                        <a:t>density</a:t>
+                      </a:r>
+                    </a:p>
+                  </a:txBody>
+                  <a:tcPr>
+                    <a:lnL w="12700" cap="flat" cmpd="sng" algn="ctr">
+                      <a:solidFill>
+                        <a:schemeClr val="tx1"/>
+                      </a:solidFill>
+                      <a:prstDash val="solid"/>
+                      <a:round/>
+                      <a:headEnd type="none" w="med" len="med"/>
+                      <a:tailEnd type="none" w="med" len="med"/>
+                    </a:lnL>
+                    <a:lnR w="12700" cap="flat" cmpd="sng" algn="ctr">
+                      <a:solidFill>
+                        <a:schemeClr val="tx1"/>
+                      </a:solidFill>
+                      <a:prstDash val="solid"/>
+                      <a:round/>
+                      <a:headEnd type="none" w="med" len="med"/>
+                      <a:tailEnd type="none" w="med" len="med"/>
+                    </a:lnR>
+                    <a:lnT w="12700" cap="flat" cmpd="sng" algn="ctr">
+                      <a:solidFill>
+                        <a:schemeClr val="tx1"/>
+                      </a:solidFill>
+                      <a:prstDash val="solid"/>
+                      <a:round/>
+                      <a:headEnd type="none" w="med" len="med"/>
+                      <a:tailEnd type="none" w="med" len="med"/>
+                    </a:lnT>
+                    <a:lnB w="12700" cap="flat" cmpd="sng" algn="ctr">
+                      <a:solidFill>
+                        <a:schemeClr val="tx1"/>
+                      </a:solidFill>
+                      <a:prstDash val="solid"/>
+                      <a:round/>
+                      <a:headEnd type="none" w="med" len="med"/>
+                      <a:tailEnd type="none" w="med" len="med"/>
+                    </a:lnB>
+                  </a:tcPr>
+                </a:tc>
+                <a:tc>
+                  <a:txBody>
+                    <a:bodyPr/>
+                    <a:lstStyle/>
+                    <a:p>
+                      <a:r>
+                        <a:rPr lang="en-US" sz="1100" dirty="0"/>
+                        <a:t>Hb</a:t>
+                      </a:r>
+                    </a:p>
+                  </a:txBody>
+                  <a:tcPr>
+                    <a:lnL w="12700" cap="flat" cmpd="sng" algn="ctr">
+                      <a:solidFill>
+                        <a:schemeClr val="tx1"/>
+                      </a:solidFill>
+                      <a:prstDash val="solid"/>
+                      <a:round/>
+                      <a:headEnd type="none" w="med" len="med"/>
+                      <a:tailEnd type="none" w="med" len="med"/>
+                    </a:lnL>
+                    <a:lnR w="12700" cap="flat" cmpd="sng" algn="ctr">
+                      <a:solidFill>
+                        <a:schemeClr val="tx1"/>
+                      </a:solidFill>
+                      <a:prstDash val="solid"/>
+                      <a:round/>
+                      <a:headEnd type="none" w="med" len="med"/>
+                      <a:tailEnd type="none" w="med" len="med"/>
+                    </a:lnR>
+                    <a:lnT w="12700" cap="flat" cmpd="sng" algn="ctr">
+                      <a:solidFill>
+                        <a:schemeClr val="tx1"/>
+                      </a:solidFill>
+                      <a:prstDash val="solid"/>
+                      <a:round/>
+                      <a:headEnd type="none" w="med" len="med"/>
+                      <a:tailEnd type="none" w="med" len="med"/>
+                    </a:lnT>
+                    <a:lnB w="12700" cap="flat" cmpd="sng" algn="ctr">
+                      <a:solidFill>
+                        <a:schemeClr val="tx1"/>
+                      </a:solidFill>
+                      <a:prstDash val="solid"/>
+                      <a:round/>
+                      <a:headEnd type="none" w="med" len="med"/>
+                      <a:tailEnd type="none" w="med" len="med"/>
+                    </a:lnB>
+                  </a:tcPr>
+                </a:tc>
+                <a:tc>
+                  <a:txBody>
+                    <a:bodyPr/>
+                    <a:lstStyle/>
+                    <a:p>
+                      <a:r>
+                        <a:rPr lang="en-US" sz="1100" dirty="0"/>
+                        <a:t>…</a:t>
                       </a:r>
                     </a:p>
                   </a:txBody>
@@ -4465,14 +4456,14 @@
           <p:nvPr>
             <p:extLst>
               <p:ext uri="{D42A27DB-BD31-4B8C-83A1-F6EECF244321}">
-                <p14:modId xmlns:p14="http://schemas.microsoft.com/office/powerpoint/2010/main" val="1055794737"/>
+                <p14:modId xmlns:p14="http://schemas.microsoft.com/office/powerpoint/2010/main" val="2904498646"/>
               </p:ext>
             </p:extLst>
           </p:nvPr>
         </p:nvGraphicFramePr>
         <p:xfrm>
           <a:off x="1452877" y="4683273"/>
-          <a:ext cx="1973946" cy="987213"/>
+          <a:ext cx="2151746" cy="987213"/>
         </p:xfrm>
         <a:graphic>
           <a:graphicData uri="http://schemas.openxmlformats.org/drawingml/2006/table">
@@ -4481,21 +4472,21 @@
                 <a:tableStyleId>{74C1A8A3-306A-4EB7-A6B1-4F7E0EB9C5D6}</a:tableStyleId>
               </a:tblPr>
               <a:tblGrid>
-                <a:gridCol w="328026">
+                <a:gridCol w="680723">
                   <a:extLst>
                     <a:ext uri="{9D8B030D-6E8A-4147-A177-3AD203B41FA5}">
                       <a16:colId xmlns:a16="http://schemas.microsoft.com/office/drawing/2014/main" val="1311773552"/>
                     </a:ext>
                   </a:extLst>
                 </a:gridCol>
-                <a:gridCol w="740228">
+                <a:gridCol w="1262743">
                   <a:extLst>
                     <a:ext uri="{9D8B030D-6E8A-4147-A177-3AD203B41FA5}">
                       <a16:colId xmlns:a16="http://schemas.microsoft.com/office/drawing/2014/main" val="2847361752"/>
                     </a:ext>
                   </a:extLst>
                 </a:gridCol>
-                <a:gridCol w="905692">
+                <a:gridCol w="208280">
                   <a:extLst>
                     <a:ext uri="{9D8B030D-6E8A-4147-A177-3AD203B41FA5}">
                       <a16:colId xmlns:a16="http://schemas.microsoft.com/office/drawing/2014/main" val="1806326025"/>
@@ -4511,7 +4502,13 @@
                     <a:p>
                       <a:r>
                         <a:rPr lang="en-US" sz="1100" dirty="0"/>
-                        <a:t>Id</a:t>
+                        <a:t>key_</a:t>
+                      </a:r>
+                    </a:p>
+                    <a:p>
+                      <a:r>
+                        <a:rPr lang="en-US" sz="1100" dirty="0"/>
+                        <a:t>internal</a:t>
                       </a:r>
                     </a:p>
                   </a:txBody>
@@ -4560,14 +4557,18 @@
                     <a:lstStyle/>
                     <a:p>
                       <a:r>
+                        <a:rPr lang="en-US" sz="1100" dirty="0" err="1"/>
+                        <a:t>sample_key</a:t>
+                      </a:r>
+                      <a:r>
                         <a:rPr lang="en-US" sz="1100" dirty="0"/>
-                        <a:t>Sample_</a:t>
+                        <a:t>_</a:t>
                       </a:r>
                     </a:p>
                     <a:p>
                       <a:r>
                         <a:rPr lang="en-US" sz="1100" dirty="0"/>
-                        <a:t>id</a:t>
+                        <a:t>Internal</a:t>
                       </a:r>
                     </a:p>
                   </a:txBody>
@@ -4615,10 +4616,7 @@
                     <a:bodyPr/>
                     <a:lstStyle/>
                     <a:p>
-                      <a:r>
-                        <a:rPr lang="en-US" sz="1100" dirty="0"/>
-                        <a:t>Treatment</a:t>
-                      </a:r>
+                      <a:endParaRPr lang="en-US" sz="1100" dirty="0"/>
                     </a:p>
                   </a:txBody>
                   <a:tcPr>
@@ -4981,14 +4979,14 @@
           <p:nvPr>
             <p:extLst>
               <p:ext uri="{D42A27DB-BD31-4B8C-83A1-F6EECF244321}">
-                <p14:modId xmlns:p14="http://schemas.microsoft.com/office/powerpoint/2010/main" val="3939321898"/>
+                <p14:modId xmlns:p14="http://schemas.microsoft.com/office/powerpoint/2010/main" val="4093714857"/>
               </p:ext>
             </p:extLst>
           </p:nvPr>
         </p:nvGraphicFramePr>
         <p:xfrm>
-          <a:off x="6000205" y="2774889"/>
-          <a:ext cx="4603933" cy="1139613"/>
+          <a:off x="5939246" y="2774889"/>
+          <a:ext cx="4664892" cy="1139613"/>
         </p:xfrm>
         <a:graphic>
           <a:graphicData uri="http://schemas.openxmlformats.org/drawingml/2006/table">
@@ -4997,42 +4995,42 @@
                 <a:tableStyleId>{9DCAF9ED-07DC-4A11-8D7F-57B35C25682E}</a:tableStyleId>
               </a:tblPr>
               <a:tblGrid>
-                <a:gridCol w="339237">
+                <a:gridCol w="687977">
                   <a:extLst>
                     <a:ext uri="{9D8B030D-6E8A-4147-A177-3AD203B41FA5}">
                       <a16:colId xmlns:a16="http://schemas.microsoft.com/office/drawing/2014/main" val="1311773552"/>
                     </a:ext>
                   </a:extLst>
                 </a:gridCol>
-                <a:gridCol w="746322">
+                <a:gridCol w="458541">
                   <a:extLst>
                     <a:ext uri="{9D8B030D-6E8A-4147-A177-3AD203B41FA5}">
                       <a16:colId xmlns:a16="http://schemas.microsoft.com/office/drawing/2014/main" val="2847361752"/>
                     </a:ext>
                   </a:extLst>
                 </a:gridCol>
-                <a:gridCol w="891709">
+                <a:gridCol w="1448636">
                   <a:extLst>
                     <a:ext uri="{9D8B030D-6E8A-4147-A177-3AD203B41FA5}">
                       <a16:colId xmlns:a16="http://schemas.microsoft.com/office/drawing/2014/main" val="3319583492"/>
                     </a:ext>
                   </a:extLst>
                 </a:gridCol>
-                <a:gridCol w="775399">
+                <a:gridCol w="714103">
                   <a:extLst>
                     <a:ext uri="{9D8B030D-6E8A-4147-A177-3AD203B41FA5}">
                       <a16:colId xmlns:a16="http://schemas.microsoft.com/office/drawing/2014/main" val="1806326025"/>
                     </a:ext>
                   </a:extLst>
                 </a:gridCol>
-                <a:gridCol w="1085559">
+                <a:gridCol w="1147355">
                   <a:extLst>
                     <a:ext uri="{9D8B030D-6E8A-4147-A177-3AD203B41FA5}">
                       <a16:colId xmlns:a16="http://schemas.microsoft.com/office/drawing/2014/main" val="2368393226"/>
                     </a:ext>
                   </a:extLst>
                 </a:gridCol>
-                <a:gridCol w="765707">
+                <a:gridCol w="208280">
                   <a:extLst>
                     <a:ext uri="{9D8B030D-6E8A-4147-A177-3AD203B41FA5}">
                       <a16:colId xmlns:a16="http://schemas.microsoft.com/office/drawing/2014/main" val="1997072120"/>
@@ -5048,7 +5046,13 @@
                     <a:p>
                       <a:r>
                         <a:rPr lang="en-US" sz="1100" dirty="0"/>
-                        <a:t>Id</a:t>
+                        <a:t>key_</a:t>
+                      </a:r>
+                    </a:p>
+                    <a:p>
+                      <a:r>
+                        <a:rPr lang="en-US" sz="1100" dirty="0"/>
+                        <a:t>internal</a:t>
                       </a:r>
                     </a:p>
                   </a:txBody>
@@ -5098,13 +5102,7 @@
                     <a:p>
                       <a:r>
                         <a:rPr lang="en-US" sz="1100" dirty="0"/>
-                        <a:t>Date_</a:t>
-                      </a:r>
-                    </a:p>
-                    <a:p>
-                      <a:r>
-                        <a:rPr lang="en-US" sz="1100" dirty="0"/>
-                        <a:t>shipped</a:t>
+                        <a:t>date</a:t>
                       </a:r>
                     </a:p>
                   </a:txBody>
@@ -5154,7 +5152,7 @@
                     <a:p>
                       <a:r>
                         <a:rPr lang="en-US" sz="1100" dirty="0"/>
-                        <a:t>Shipping_</a:t>
+                        <a:t>shipping_</a:t>
                       </a:r>
                     </a:p>
                     <a:p>
@@ -5208,15 +5206,12 @@
                     <a:bodyPr/>
                     <a:lstStyle/>
                     <a:p>
-                      <a:r>
-                        <a:rPr lang="en-US" sz="1100" dirty="0"/>
-                        <a:t>Source_</a:t>
-                      </a:r>
+                      <a:endParaRPr lang="en-US" sz="1100" dirty="0"/>
                     </a:p>
                     <a:p>
                       <a:r>
                         <a:rPr lang="en-US" sz="1100" dirty="0"/>
-                        <a:t>freezer</a:t>
+                        <a:t>from</a:t>
                       </a:r>
                     </a:p>
                   </a:txBody>
@@ -5264,15 +5259,12 @@
                     <a:bodyPr/>
                     <a:lstStyle/>
                     <a:p>
-                      <a:r>
-                        <a:rPr lang="en-US" sz="1100" dirty="0"/>
-                        <a:t>Destination_</a:t>
-                      </a:r>
+                      <a:endParaRPr lang="en-US" sz="1100" dirty="0"/>
                     </a:p>
                     <a:p>
                       <a:r>
                         <a:rPr lang="en-US" sz="1100" dirty="0"/>
-                        <a:t>freezer</a:t>
+                        <a:t>to</a:t>
                       </a:r>
                     </a:p>
                   </a:txBody>
@@ -5320,10 +5312,7 @@
                     <a:bodyPr/>
                     <a:lstStyle/>
                     <a:p>
-                      <a:r>
-                        <a:rPr lang="en-US" sz="1100" dirty="0"/>
-                        <a:t>Receipt</a:t>
-                      </a:r>
+                      <a:endParaRPr lang="en-US" sz="1100" dirty="0"/>
                     </a:p>
                   </a:txBody>
                   <a:tcPr>
@@ -5968,14 +5957,14 @@
           <p:nvPr>
             <p:extLst>
               <p:ext uri="{D42A27DB-BD31-4B8C-83A1-F6EECF244321}">
-                <p14:modId xmlns:p14="http://schemas.microsoft.com/office/powerpoint/2010/main" val="2969219181"/>
+                <p14:modId xmlns:p14="http://schemas.microsoft.com/office/powerpoint/2010/main" val="2361434088"/>
               </p:ext>
             </p:extLst>
           </p:nvPr>
         </p:nvGraphicFramePr>
         <p:xfrm>
-          <a:off x="7000236" y="4683273"/>
-          <a:ext cx="1830255" cy="987213"/>
+          <a:off x="5878286" y="4683273"/>
+          <a:ext cx="2952205" cy="987213"/>
         </p:xfrm>
         <a:graphic>
           <a:graphicData uri="http://schemas.openxmlformats.org/drawingml/2006/table">
@@ -5984,21 +5973,21 @@
                 <a:tableStyleId>{EB9631B5-78F2-41C9-869B-9F39066F8104}</a:tableStyleId>
               </a:tblPr>
               <a:tblGrid>
-                <a:gridCol w="391389">
+                <a:gridCol w="966651">
                   <a:extLst>
                     <a:ext uri="{9D8B030D-6E8A-4147-A177-3AD203B41FA5}">
                       <a16:colId xmlns:a16="http://schemas.microsoft.com/office/drawing/2014/main" val="1311773552"/>
                     </a:ext>
                   </a:extLst>
                 </a:gridCol>
-                <a:gridCol w="883213">
+                <a:gridCol w="1097280">
                   <a:extLst>
                     <a:ext uri="{9D8B030D-6E8A-4147-A177-3AD203B41FA5}">
                       <a16:colId xmlns:a16="http://schemas.microsoft.com/office/drawing/2014/main" val="2847361752"/>
                     </a:ext>
                   </a:extLst>
                 </a:gridCol>
-                <a:gridCol w="555653">
+                <a:gridCol w="888274">
                   <a:extLst>
                     <a:ext uri="{9D8B030D-6E8A-4147-A177-3AD203B41FA5}">
                       <a16:colId xmlns:a16="http://schemas.microsoft.com/office/drawing/2014/main" val="3319583492"/>
@@ -6013,9 +6002,10 @@
                     <a:lstStyle/>
                     <a:p>
                       <a:r>
-                        <a:rPr lang="en-US" sz="1100" dirty="0"/>
-                        <a:t>Id</a:t>
+                        <a:rPr lang="en-US" sz="1100" dirty="0" err="1"/>
+                        <a:t>key_internal</a:t>
                       </a:r>
+                      <a:endParaRPr lang="en-US" sz="1100" dirty="0"/>
                     </a:p>
                   </a:txBody>
                   <a:tcPr>
@@ -6063,14 +6053,18 @@
                     <a:lstStyle/>
                     <a:p>
                       <a:r>
+                        <a:rPr lang="en-US" sz="1100" dirty="0" err="1"/>
+                        <a:t>shipment_key</a:t>
+                      </a:r>
+                      <a:r>
                         <a:rPr lang="en-US" sz="1100" dirty="0"/>
-                        <a:t>Shipment_</a:t>
+                        <a:t>_</a:t>
                       </a:r>
                     </a:p>
                     <a:p>
                       <a:r>
                         <a:rPr lang="en-US" sz="1100" dirty="0"/>
-                        <a:t>id</a:t>
+                        <a:t>internal</a:t>
                       </a:r>
                     </a:p>
                   </a:txBody>
@@ -6119,14 +6113,18 @@
                     <a:lstStyle/>
                     <a:p>
                       <a:r>
+                        <a:rPr lang="en-US" sz="1100" dirty="0" err="1"/>
+                        <a:t>tube_key</a:t>
+                      </a:r>
+                      <a:r>
                         <a:rPr lang="en-US" sz="1100" dirty="0"/>
-                        <a:t>Tube_</a:t>
+                        <a:t>_</a:t>
                       </a:r>
                     </a:p>
                     <a:p>
                       <a:r>
                         <a:rPr lang="en-US" sz="1100" dirty="0"/>
-                        <a:t>id</a:t>
+                        <a:t>internal</a:t>
                       </a:r>
                     </a:p>
                   </a:txBody>
@@ -6490,14 +6488,14 @@
           <p:nvPr>
             <p:extLst>
               <p:ext uri="{D42A27DB-BD31-4B8C-83A1-F6EECF244321}">
-                <p14:modId xmlns:p14="http://schemas.microsoft.com/office/powerpoint/2010/main" val="3937944397"/>
+                <p14:modId xmlns:p14="http://schemas.microsoft.com/office/powerpoint/2010/main" val="3426677055"/>
               </p:ext>
             </p:extLst>
           </p:nvPr>
         </p:nvGraphicFramePr>
         <p:xfrm>
           <a:off x="9608453" y="864564"/>
-          <a:ext cx="2226496" cy="987213"/>
+          <a:ext cx="2224224" cy="987213"/>
         </p:xfrm>
         <a:graphic>
           <a:graphicData uri="http://schemas.openxmlformats.org/drawingml/2006/table">
@@ -6506,21 +6504,21 @@
                 <a:tableStyleId>{2A488322-F2BA-4B5B-9748-0D474271808F}</a:tableStyleId>
               </a:tblPr>
               <a:tblGrid>
-                <a:gridCol w="328027">
+                <a:gridCol w="946336">
                   <a:extLst>
                     <a:ext uri="{9D8B030D-6E8A-4147-A177-3AD203B41FA5}">
                       <a16:colId xmlns:a16="http://schemas.microsoft.com/office/drawing/2014/main" val="1311773552"/>
                     </a:ext>
                   </a:extLst>
                 </a:gridCol>
-                <a:gridCol w="876154">
+                <a:gridCol w="531222">
                   <a:extLst>
                     <a:ext uri="{9D8B030D-6E8A-4147-A177-3AD203B41FA5}">
                       <a16:colId xmlns:a16="http://schemas.microsoft.com/office/drawing/2014/main" val="2847361752"/>
                     </a:ext>
                   </a:extLst>
                 </a:gridCol>
-                <a:gridCol w="1022315">
+                <a:gridCol w="746666">
                   <a:extLst>
                     <a:ext uri="{9D8B030D-6E8A-4147-A177-3AD203B41FA5}">
                       <a16:colId xmlns:a16="http://schemas.microsoft.com/office/drawing/2014/main" val="3319583492"/>
@@ -6535,9 +6533,10 @@
                     <a:lstStyle/>
                     <a:p>
                       <a:r>
-                        <a:rPr lang="en-US" sz="1100" dirty="0"/>
-                        <a:t>Id</a:t>
+                        <a:rPr lang="en-US" sz="1100" dirty="0" err="1"/>
+                        <a:t>key_internal</a:t>
                       </a:r>
+                      <a:endParaRPr lang="en-US" sz="1100" dirty="0"/>
                     </a:p>
                   </a:txBody>
                   <a:tcPr>
@@ -6586,7 +6585,7 @@
                     <a:p>
                       <a:r>
                         <a:rPr lang="en-US" sz="1100" dirty="0"/>
-                        <a:t>Lab_</a:t>
+                        <a:t>lab_</a:t>
                       </a:r>
                     </a:p>
                     <a:p>
@@ -6642,7 +6641,7 @@
                     <a:p>
                       <a:r>
                         <a:rPr lang="en-US" sz="1100" dirty="0"/>
-                        <a:t>Storage_</a:t>
+                        <a:t>storage_</a:t>
                       </a:r>
                     </a:p>
                     <a:p>
@@ -7249,8 +7248,8 @@
         </p:nvCxnSpPr>
         <p:spPr>
           <a:xfrm flipH="1" flipV="1">
-            <a:off x="6209211" y="3121975"/>
-            <a:ext cx="1602379" cy="1650322"/>
+            <a:off x="6209212" y="3210701"/>
+            <a:ext cx="1045028" cy="1523216"/>
           </a:xfrm>
           <a:prstGeom prst="straightConnector1">
             <a:avLst/>
@@ -7471,12 +7470,12 @@
         </p:nvCxnSpPr>
         <p:spPr>
           <a:xfrm rot="5400000" flipH="1" flipV="1">
-            <a:off x="8119072" y="1314779"/>
-            <a:ext cx="2009215" cy="1161140"/>
+            <a:off x="8547061" y="1522466"/>
+            <a:ext cx="1646727" cy="1097278"/>
           </a:xfrm>
           <a:prstGeom prst="bentConnector3">
             <a:avLst>
-              <a:gd name="adj1" fmla="val 100278"/>
+              <a:gd name="adj1" fmla="val 50000"/>
             </a:avLst>
           </a:prstGeom>
           <a:ln w="38100">
@@ -7510,17 +7509,19 @@
               </a:ext>
             </a:extLst>
           </p:cNvPr>
-          <p:cNvCxnSpPr/>
+          <p:cNvCxnSpPr>
+            <a:cxnSpLocks/>
+          </p:cNvCxnSpPr>
           <p:nvPr/>
         </p:nvCxnSpPr>
         <p:spPr>
           <a:xfrm rot="5400000" flipH="1" flipV="1">
-            <a:off x="8421188" y="1550126"/>
-            <a:ext cx="1759132" cy="940526"/>
+            <a:off x="8901983" y="1726337"/>
+            <a:ext cx="1643722" cy="686530"/>
           </a:xfrm>
           <a:prstGeom prst="bentConnector3">
             <a:avLst>
-              <a:gd name="adj1" fmla="val 99010"/>
+              <a:gd name="adj1" fmla="val 50000"/>
             </a:avLst>
           </a:prstGeom>
           <a:ln w="38100">
@@ -7545,6 +7546,400 @@
           </a:fontRef>
         </p:style>
       </p:cxnSp>
+      <p:graphicFrame>
+        <p:nvGraphicFramePr>
+          <p:cNvPr id="17" name="Table 16">
+            <a:extLst>
+              <a:ext uri="{FF2B5EF4-FFF2-40B4-BE49-F238E27FC236}">
+                <a16:creationId xmlns:a16="http://schemas.microsoft.com/office/drawing/2014/main" id="{A2F40EE4-6F00-4C47-A4D1-5E75535406B4}"/>
+              </a:ext>
+            </a:extLst>
+          </p:cNvPr>
+          <p:cNvGraphicFramePr>
+            <a:graphicFrameLocks noGrp="1"/>
+          </p:cNvGraphicFramePr>
+          <p:nvPr>
+            <p:extLst>
+              <p:ext uri="{D42A27DB-BD31-4B8C-83A1-F6EECF244321}">
+                <p14:modId xmlns:p14="http://schemas.microsoft.com/office/powerpoint/2010/main" val="1026415820"/>
+              </p:ext>
+            </p:extLst>
+          </p:nvPr>
+        </p:nvGraphicFramePr>
+        <p:xfrm>
+          <a:off x="9892942" y="4694501"/>
+          <a:ext cx="1346924" cy="823413"/>
+        </p:xfrm>
+        <a:graphic>
+          <a:graphicData uri="http://schemas.openxmlformats.org/drawingml/2006/table">
+            <a:tbl>
+              <a:tblPr firstRow="1" bandRow="1">
+                <a:tableStyleId>{7E9639D4-E3E2-4D34-9284-5A2195B3D0D7}</a:tableStyleId>
+              </a:tblPr>
+              <a:tblGrid>
+                <a:gridCol w="644429">
+                  <a:extLst>
+                    <a:ext uri="{9D8B030D-6E8A-4147-A177-3AD203B41FA5}">
+                      <a16:colId xmlns:a16="http://schemas.microsoft.com/office/drawing/2014/main" val="507053944"/>
+                    </a:ext>
+                  </a:extLst>
+                </a:gridCol>
+                <a:gridCol w="702495">
+                  <a:extLst>
+                    <a:ext uri="{9D8B030D-6E8A-4147-A177-3AD203B41FA5}">
+                      <a16:colId xmlns:a16="http://schemas.microsoft.com/office/drawing/2014/main" val="3067337438"/>
+                    </a:ext>
+                  </a:extLst>
+                </a:gridCol>
+              </a:tblGrid>
+              <a:tr h="0">
+                <a:tc>
+                  <a:txBody>
+                    <a:bodyPr/>
+                    <a:lstStyle/>
+                    <a:p>
+                      <a:r>
+                        <a:rPr lang="en-US" sz="1100" dirty="0"/>
+                        <a:t>email</a:t>
+                      </a:r>
+                    </a:p>
+                  </a:txBody>
+                  <a:tcPr>
+                    <a:lnL w="12700" cap="flat" cmpd="sng" algn="ctr">
+                      <a:solidFill>
+                        <a:schemeClr val="tx1"/>
+                      </a:solidFill>
+                      <a:prstDash val="solid"/>
+                      <a:round/>
+                      <a:headEnd type="none" w="med" len="med"/>
+                      <a:tailEnd type="none" w="med" len="med"/>
+                    </a:lnL>
+                    <a:lnR w="12700" cap="flat" cmpd="sng" algn="ctr">
+                      <a:solidFill>
+                        <a:schemeClr val="tx1"/>
+                      </a:solidFill>
+                      <a:prstDash val="solid"/>
+                      <a:round/>
+                      <a:headEnd type="none" w="med" len="med"/>
+                      <a:tailEnd type="none" w="med" len="med"/>
+                    </a:lnR>
+                    <a:lnT w="12700" cap="flat" cmpd="sng" algn="ctr">
+                      <a:solidFill>
+                        <a:schemeClr val="tx1"/>
+                      </a:solidFill>
+                      <a:prstDash val="solid"/>
+                      <a:round/>
+                      <a:headEnd type="none" w="med" len="med"/>
+                      <a:tailEnd type="none" w="med" len="med"/>
+                    </a:lnT>
+                    <a:lnB w="12700" cap="flat" cmpd="sng" algn="ctr">
+                      <a:solidFill>
+                        <a:schemeClr val="tx1"/>
+                      </a:solidFill>
+                      <a:prstDash val="solid"/>
+                      <a:round/>
+                      <a:headEnd type="none" w="med" len="med"/>
+                      <a:tailEnd type="none" w="med" len="med"/>
+                    </a:lnB>
+                  </a:tcPr>
+                </a:tc>
+                <a:tc>
+                  <a:txBody>
+                    <a:bodyPr/>
+                    <a:lstStyle/>
+                    <a:p>
+                      <a:r>
+                        <a:rPr lang="en-US" sz="1100" dirty="0"/>
+                        <a:t>admin</a:t>
+                      </a:r>
+                    </a:p>
+                  </a:txBody>
+                  <a:tcPr>
+                    <a:lnL w="12700" cap="flat" cmpd="sng" algn="ctr">
+                      <a:solidFill>
+                        <a:schemeClr val="tx1"/>
+                      </a:solidFill>
+                      <a:prstDash val="solid"/>
+                      <a:round/>
+                      <a:headEnd type="none" w="med" len="med"/>
+                      <a:tailEnd type="none" w="med" len="med"/>
+                    </a:lnL>
+                    <a:lnR w="12700" cap="flat" cmpd="sng" algn="ctr">
+                      <a:solidFill>
+                        <a:schemeClr val="tx1"/>
+                      </a:solidFill>
+                      <a:prstDash val="solid"/>
+                      <a:round/>
+                      <a:headEnd type="none" w="med" len="med"/>
+                      <a:tailEnd type="none" w="med" len="med"/>
+                    </a:lnR>
+                    <a:lnT w="12700" cap="flat" cmpd="sng" algn="ctr">
+                      <a:solidFill>
+                        <a:schemeClr val="tx1"/>
+                      </a:solidFill>
+                      <a:prstDash val="solid"/>
+                      <a:round/>
+                      <a:headEnd type="none" w="med" len="med"/>
+                      <a:tailEnd type="none" w="med" len="med"/>
+                    </a:lnT>
+                    <a:lnB w="12700" cap="flat" cmpd="sng" algn="ctr">
+                      <a:solidFill>
+                        <a:schemeClr val="tx1"/>
+                      </a:solidFill>
+                      <a:prstDash val="solid"/>
+                      <a:round/>
+                      <a:headEnd type="none" w="med" len="med"/>
+                      <a:tailEnd type="none" w="med" len="med"/>
+                    </a:lnB>
+                  </a:tcPr>
+                </a:tc>
+                <a:extLst>
+                  <a:ext uri="{0D108BD9-81ED-4DB2-BD59-A6C34878D82A}">
+                    <a16:rowId xmlns:a16="http://schemas.microsoft.com/office/drawing/2014/main" val="449577671"/>
+                  </a:ext>
+                </a:extLst>
+              </a:tr>
+              <a:tr h="0">
+                <a:tc>
+                  <a:txBody>
+                    <a:bodyPr/>
+                    <a:lstStyle/>
+                    <a:p>
+                      <a:endParaRPr lang="en-US" sz="1100"/>
+                    </a:p>
+                  </a:txBody>
+                  <a:tcPr>
+                    <a:lnL w="12700" cap="flat" cmpd="sng" algn="ctr">
+                      <a:solidFill>
+                        <a:schemeClr val="tx1"/>
+                      </a:solidFill>
+                      <a:prstDash val="solid"/>
+                      <a:round/>
+                      <a:headEnd type="none" w="med" len="med"/>
+                      <a:tailEnd type="none" w="med" len="med"/>
+                    </a:lnL>
+                    <a:lnR w="12700" cap="flat" cmpd="sng" algn="ctr">
+                      <a:solidFill>
+                        <a:schemeClr val="tx1"/>
+                      </a:solidFill>
+                      <a:prstDash val="solid"/>
+                      <a:round/>
+                      <a:headEnd type="none" w="med" len="med"/>
+                      <a:tailEnd type="none" w="med" len="med"/>
+                    </a:lnR>
+                    <a:lnT w="12700" cap="flat" cmpd="sng" algn="ctr">
+                      <a:solidFill>
+                        <a:schemeClr val="tx1"/>
+                      </a:solidFill>
+                      <a:prstDash val="solid"/>
+                      <a:round/>
+                      <a:headEnd type="none" w="med" len="med"/>
+                      <a:tailEnd type="none" w="med" len="med"/>
+                    </a:lnT>
+                    <a:lnB w="12700" cap="flat" cmpd="sng" algn="ctr">
+                      <a:solidFill>
+                        <a:schemeClr val="tx1"/>
+                      </a:solidFill>
+                      <a:prstDash val="solid"/>
+                      <a:round/>
+                      <a:headEnd type="none" w="med" len="med"/>
+                      <a:tailEnd type="none" w="med" len="med"/>
+                    </a:lnB>
+                  </a:tcPr>
+                </a:tc>
+                <a:tc>
+                  <a:txBody>
+                    <a:bodyPr/>
+                    <a:lstStyle/>
+                    <a:p>
+                      <a:endParaRPr lang="en-US" sz="1100" dirty="0"/>
+                    </a:p>
+                  </a:txBody>
+                  <a:tcPr>
+                    <a:lnL w="12700" cap="flat" cmpd="sng" algn="ctr">
+                      <a:solidFill>
+                        <a:schemeClr val="tx1"/>
+                      </a:solidFill>
+                      <a:prstDash val="solid"/>
+                      <a:round/>
+                      <a:headEnd type="none" w="med" len="med"/>
+                      <a:tailEnd type="none" w="med" len="med"/>
+                    </a:lnL>
+                    <a:lnR w="12700" cap="flat" cmpd="sng" algn="ctr">
+                      <a:solidFill>
+                        <a:schemeClr val="tx1"/>
+                      </a:solidFill>
+                      <a:prstDash val="solid"/>
+                      <a:round/>
+                      <a:headEnd type="none" w="med" len="med"/>
+                      <a:tailEnd type="none" w="med" len="med"/>
+                    </a:lnR>
+                    <a:lnT w="12700" cap="flat" cmpd="sng" algn="ctr">
+                      <a:solidFill>
+                        <a:schemeClr val="tx1"/>
+                      </a:solidFill>
+                      <a:prstDash val="solid"/>
+                      <a:round/>
+                      <a:headEnd type="none" w="med" len="med"/>
+                      <a:tailEnd type="none" w="med" len="med"/>
+                    </a:lnT>
+                    <a:lnB w="12700" cap="flat" cmpd="sng" algn="ctr">
+                      <a:solidFill>
+                        <a:schemeClr val="tx1"/>
+                      </a:solidFill>
+                      <a:prstDash val="solid"/>
+                      <a:round/>
+                      <a:headEnd type="none" w="med" len="med"/>
+                      <a:tailEnd type="none" w="med" len="med"/>
+                    </a:lnB>
+                  </a:tcPr>
+                </a:tc>
+                <a:extLst>
+                  <a:ext uri="{0D108BD9-81ED-4DB2-BD59-A6C34878D82A}">
+                    <a16:rowId xmlns:a16="http://schemas.microsoft.com/office/drawing/2014/main" val="415054129"/>
+                  </a:ext>
+                </a:extLst>
+              </a:tr>
+              <a:tr h="305253">
+                <a:tc>
+                  <a:txBody>
+                    <a:bodyPr/>
+                    <a:lstStyle/>
+                    <a:p>
+                      <a:endParaRPr lang="en-US" sz="1100"/>
+                    </a:p>
+                  </a:txBody>
+                  <a:tcPr>
+                    <a:lnL w="12700" cap="flat" cmpd="sng" algn="ctr">
+                      <a:solidFill>
+                        <a:schemeClr val="tx1"/>
+                      </a:solidFill>
+                      <a:prstDash val="solid"/>
+                      <a:round/>
+                      <a:headEnd type="none" w="med" len="med"/>
+                      <a:tailEnd type="none" w="med" len="med"/>
+                    </a:lnL>
+                    <a:lnR w="12700" cap="flat" cmpd="sng" algn="ctr">
+                      <a:solidFill>
+                        <a:schemeClr val="tx1"/>
+                      </a:solidFill>
+                      <a:prstDash val="solid"/>
+                      <a:round/>
+                      <a:headEnd type="none" w="med" len="med"/>
+                      <a:tailEnd type="none" w="med" len="med"/>
+                    </a:lnR>
+                    <a:lnT w="12700" cap="flat" cmpd="sng" algn="ctr">
+                      <a:solidFill>
+                        <a:schemeClr val="tx1"/>
+                      </a:solidFill>
+                      <a:prstDash val="solid"/>
+                      <a:round/>
+                      <a:headEnd type="none" w="med" len="med"/>
+                      <a:tailEnd type="none" w="med" len="med"/>
+                    </a:lnT>
+                    <a:lnB w="12700" cap="flat" cmpd="sng" algn="ctr">
+                      <a:solidFill>
+                        <a:schemeClr val="tx1"/>
+                      </a:solidFill>
+                      <a:prstDash val="solid"/>
+                      <a:round/>
+                      <a:headEnd type="none" w="med" len="med"/>
+                      <a:tailEnd type="none" w="med" len="med"/>
+                    </a:lnB>
+                  </a:tcPr>
+                </a:tc>
+                <a:tc>
+                  <a:txBody>
+                    <a:bodyPr/>
+                    <a:lstStyle/>
+                    <a:p>
+                      <a:endParaRPr lang="en-US" sz="1100" dirty="0"/>
+                    </a:p>
+                  </a:txBody>
+                  <a:tcPr>
+                    <a:lnL w="12700" cap="flat" cmpd="sng" algn="ctr">
+                      <a:solidFill>
+                        <a:schemeClr val="tx1"/>
+                      </a:solidFill>
+                      <a:prstDash val="solid"/>
+                      <a:round/>
+                      <a:headEnd type="none" w="med" len="med"/>
+                      <a:tailEnd type="none" w="med" len="med"/>
+                    </a:lnL>
+                    <a:lnR w="12700" cap="flat" cmpd="sng" algn="ctr">
+                      <a:solidFill>
+                        <a:schemeClr val="tx1"/>
+                      </a:solidFill>
+                      <a:prstDash val="solid"/>
+                      <a:round/>
+                      <a:headEnd type="none" w="med" len="med"/>
+                      <a:tailEnd type="none" w="med" len="med"/>
+                    </a:lnR>
+                    <a:lnT w="12700" cap="flat" cmpd="sng" algn="ctr">
+                      <a:solidFill>
+                        <a:schemeClr val="tx1"/>
+                      </a:solidFill>
+                      <a:prstDash val="solid"/>
+                      <a:round/>
+                      <a:headEnd type="none" w="med" len="med"/>
+                      <a:tailEnd type="none" w="med" len="med"/>
+                    </a:lnT>
+                    <a:lnB w="12700" cap="flat" cmpd="sng" algn="ctr">
+                      <a:solidFill>
+                        <a:schemeClr val="tx1"/>
+                      </a:solidFill>
+                      <a:prstDash val="solid"/>
+                      <a:round/>
+                      <a:headEnd type="none" w="med" len="med"/>
+                      <a:tailEnd type="none" w="med" len="med"/>
+                    </a:lnB>
+                  </a:tcPr>
+                </a:tc>
+                <a:extLst>
+                  <a:ext uri="{0D108BD9-81ED-4DB2-BD59-A6C34878D82A}">
+                    <a16:rowId xmlns:a16="http://schemas.microsoft.com/office/drawing/2014/main" val="3499490429"/>
+                  </a:ext>
+                </a:extLst>
+              </a:tr>
+            </a:tbl>
+          </a:graphicData>
+        </a:graphic>
+      </p:graphicFrame>
+      <p:sp>
+        <p:nvSpPr>
+          <p:cNvPr id="25" name="TextBox 24">
+            <a:extLst>
+              <a:ext uri="{FF2B5EF4-FFF2-40B4-BE49-F238E27FC236}">
+                <a16:creationId xmlns:a16="http://schemas.microsoft.com/office/drawing/2014/main" id="{D33D961E-CF3D-4464-9C6B-C6694F2F7F09}"/>
+              </a:ext>
+            </a:extLst>
+          </p:cNvPr>
+          <p:cNvSpPr txBox="1"/>
+          <p:nvPr/>
+        </p:nvSpPr>
+        <p:spPr>
+          <a:xfrm>
+            <a:off x="10406744" y="5709724"/>
+            <a:ext cx="1830255" cy="369332"/>
+          </a:xfrm>
+          <a:prstGeom prst="rect">
+            <a:avLst/>
+          </a:prstGeom>
+          <a:noFill/>
+        </p:spPr>
+        <p:txBody>
+          <a:bodyPr wrap="square" rtlCol="0">
+            <a:spAutoFit/>
+          </a:bodyPr>
+          <a:lstStyle/>
+          <a:p>
+            <a:r>
+              <a:rPr lang="en-US" dirty="0"/>
+              <a:t>Users</a:t>
+            </a:r>
+          </a:p>
+        </p:txBody>
+      </p:sp>
     </p:spTree>
     <p:extLst>
       <p:ext uri="{BB962C8B-B14F-4D97-AF65-F5344CB8AC3E}">
